--- a/Slides/Lecture 9-1.pptx
+++ b/Slides/Lecture 9-1.pptx
@@ -221,7 +221,7 @@
             <a:fld id="{A6781D3C-003D-4837-A496-9A32CDA8003A}" type="datetimeFigureOut">
               <a:rPr lang="en-US" smtClean="0"/>
               <a:pPr/>
-              <a:t>2/11/2019</a:t>
+              <a:t>2/13/2019</a:t>
             </a:fld>
             <a:endParaRPr lang="en-US"/>
           </a:p>
@@ -4512,8 +4512,8 @@
           </a:p>
         </p:txBody>
       </p:sp>
-      <mc:AlternateContent xmlns:mc="http://schemas.openxmlformats.org/markup-compatibility/2006">
-        <mc:Choice xmlns:a14="http://schemas.microsoft.com/office/drawing/2010/main" Requires="a14">
+      <mc:AlternateContent xmlns:mc="http://schemas.openxmlformats.org/markup-compatibility/2006" xmlns:a14="http://schemas.microsoft.com/office/drawing/2010/main">
+        <mc:Choice Requires="a14">
           <p:sp>
             <p:nvSpPr>
               <p:cNvPr id="4" name="Rectangle 3"/>
@@ -4535,6 +4535,7 @@
               </a:bodyPr>
               <a:lstStyle/>
               <a:p>
+                <a:pPr/>
                 <a14:m>
                   <m:oMathPara xmlns:m="http://schemas.openxmlformats.org/officeDocument/2006/math">
                     <m:oMathParaPr>
@@ -4692,7 +4693,7 @@
             </p:txBody>
           </p:sp>
         </mc:Choice>
-        <mc:Fallback>
+        <mc:Fallback xmlns="">
           <p:sp>
             <p:nvSpPr>
               <p:cNvPr id="4" name="Rectangle 3"/>
@@ -4731,8 +4732,8 @@
           </p:sp>
         </mc:Fallback>
       </mc:AlternateContent>
-      <mc:AlternateContent xmlns:mc="http://schemas.openxmlformats.org/markup-compatibility/2006">
-        <mc:Choice xmlns:a14="http://schemas.microsoft.com/office/drawing/2010/main" Requires="a14">
+      <mc:AlternateContent xmlns:mc="http://schemas.openxmlformats.org/markup-compatibility/2006" xmlns:a14="http://schemas.microsoft.com/office/drawing/2010/main">
+        <mc:Choice Requires="a14">
           <p:sp>
             <p:nvSpPr>
               <p:cNvPr id="5" name="Rectangle 4"/>
@@ -4754,6 +4755,7 @@
               </a:bodyPr>
               <a:lstStyle/>
               <a:p>
+                <a:pPr/>
                 <a14:m>
                   <m:oMathPara xmlns:m="http://schemas.openxmlformats.org/officeDocument/2006/math">
                     <m:oMathParaPr>
@@ -4970,7 +4972,14 @@
                                   <a:latin typeface="Cambria Math" panose="02040503050406030204" pitchFamily="18" charset="0"/>
                                   <a:ea typeface="Cambria Math" panose="02040503050406030204" pitchFamily="18" charset="0"/>
                                 </a:rPr>
-                                <m:t>=1</m:t>
+                                <m:t>=</m:t>
+                              </m:r>
+                              <m:r>
+                                <a:rPr lang="bg-BG" b="0" i="1" smtClean="0">
+                                  <a:latin typeface="Cambria Math" panose="02040503050406030204" pitchFamily="18" charset="0"/>
+                                  <a:ea typeface="Cambria Math" panose="02040503050406030204" pitchFamily="18" charset="0"/>
+                                </a:rPr>
+                                <m:t>1</m:t>
                               </m:r>
                             </m:sub>
                             <m:sup>
@@ -5108,7 +5117,7 @@
             </p:txBody>
           </p:sp>
         </mc:Choice>
-        <mc:Fallback>
+        <mc:Fallback xmlns="">
           <p:sp>
             <p:nvSpPr>
               <p:cNvPr id="5" name="Rectangle 4"/>
@@ -5147,8 +5156,8 @@
           </p:sp>
         </mc:Fallback>
       </mc:AlternateContent>
-      <mc:AlternateContent xmlns:mc="http://schemas.openxmlformats.org/markup-compatibility/2006">
-        <mc:Choice xmlns:a14="http://schemas.microsoft.com/office/drawing/2010/main" Requires="a14">
+      <mc:AlternateContent xmlns:mc="http://schemas.openxmlformats.org/markup-compatibility/2006" xmlns:a14="http://schemas.microsoft.com/office/drawing/2010/main">
+        <mc:Choice Requires="a14">
           <p:sp>
             <p:nvSpPr>
               <p:cNvPr id="9" name="Rectangle 8"/>
@@ -5170,6 +5179,7 @@
               </a:bodyPr>
               <a:lstStyle/>
               <a:p>
+                <a:pPr/>
                 <a14:m>
                   <m:oMathPara xmlns:m="http://schemas.openxmlformats.org/officeDocument/2006/math">
                     <m:oMathParaPr>
@@ -5229,7 +5239,7 @@
                       <m:sSub>
                         <m:sSubPr>
                           <m:ctrlPr>
-                            <a:rPr lang="bg-BG" b="0" smtClean="0">
+                            <a:rPr lang="bg-BG" b="0" i="1" smtClean="0">
                               <a:latin typeface="Cambria Math" panose="02040503050406030204" pitchFamily="18" charset="0"/>
                             </a:rPr>
                           </m:ctrlPr>
@@ -5347,7 +5357,7 @@
             </p:txBody>
           </p:sp>
         </mc:Choice>
-        <mc:Fallback>
+        <mc:Fallback xmlns="">
           <p:sp>
             <p:nvSpPr>
               <p:cNvPr id="9" name="Rectangle 8"/>
@@ -6556,8 +6566,8 @@
           </a:p>
         </p:txBody>
       </p:sp>
-      <mc:AlternateContent xmlns:mc="http://schemas.openxmlformats.org/markup-compatibility/2006">
-        <mc:Choice xmlns:a14="http://schemas.microsoft.com/office/drawing/2010/main" Requires="a14">
+      <mc:AlternateContent xmlns:mc="http://schemas.openxmlformats.org/markup-compatibility/2006" xmlns:a14="http://schemas.microsoft.com/office/drawing/2010/main">
+        <mc:Choice Requires="a14">
           <p:sp>
             <p:nvSpPr>
               <p:cNvPr id="3" name="Content Placeholder 2"/>
@@ -6576,7 +6586,7 @@
             </p:spPr>
             <p:txBody>
               <a:bodyPr>
-                <a:normAutofit lnSpcReduction="10000"/>
+                <a:normAutofit fontScale="92500" lnSpcReduction="10000"/>
               </a:bodyPr>
               <a:lstStyle/>
               <a:p>
@@ -7146,7 +7156,7 @@
             </p:txBody>
           </p:sp>
         </mc:Choice>
-        <mc:Fallback>
+        <mc:Fallback xmlns="">
           <p:sp>
             <p:nvSpPr>
               <p:cNvPr id="3" name="Content Placeholder 2"/>
@@ -7165,7 +7175,7 @@
               <a:blipFill rotWithShape="0">
                 <a:blip r:embed="rId2"/>
                 <a:stretch>
-                  <a:fillRect l="-1037" t="-2414"/>
+                  <a:fillRect l="-889" t="-2241"/>
                 </a:stretch>
               </a:blipFill>
             </p:spPr>
@@ -7246,427 +7256,367 @@
       </p:sp>
       <p:grpSp>
         <p:nvGrpSpPr>
-          <p:cNvPr id="26" name="Group 25"/>
+          <p:cNvPr id="23" name="Group 22"/>
           <p:cNvGrpSpPr/>
           <p:nvPr/>
         </p:nvGrpSpPr>
         <p:grpSpPr>
           <a:xfrm>
             <a:off x="1346399" y="530888"/>
-            <a:ext cx="6386401" cy="4357912"/>
-            <a:chOff x="743827" y="117940"/>
-            <a:chExt cx="7054220" cy="4834314"/>
+            <a:ext cx="6386399" cy="4236700"/>
+            <a:chOff x="1098595" y="309186"/>
+            <a:chExt cx="7054218" cy="4699851"/>
           </a:xfrm>
         </p:grpSpPr>
-        <p:grpSp>
-          <p:nvGrpSpPr>
-            <p:cNvPr id="23" name="Group 22"/>
-            <p:cNvGrpSpPr/>
+        <p:pic>
+          <p:nvPicPr>
+            <p:cNvPr id="4" name="Picture 3"/>
+            <p:cNvPicPr>
+              <a:picLocks noChangeAspect="1"/>
+            </p:cNvPicPr>
             <p:nvPr/>
-          </p:nvGrpSpPr>
-          <p:grpSpPr>
+          </p:nvPicPr>
+          <p:blipFill>
+            <a:blip r:embed="rId2"/>
+            <a:stretch>
+              <a:fillRect/>
+            </a:stretch>
+          </p:blipFill>
+          <p:spPr>
             <a:xfrm>
-              <a:off x="743827" y="117940"/>
-              <a:ext cx="7054220" cy="4834314"/>
-              <a:chOff x="1098595" y="309186"/>
-              <a:chExt cx="7054220" cy="4834314"/>
+              <a:off x="1385887" y="484678"/>
+              <a:ext cx="6372225" cy="4476750"/>
             </a:xfrm>
-          </p:grpSpPr>
-          <p:pic>
-            <p:nvPicPr>
-              <p:cNvPr id="4" name="Picture 3"/>
-              <p:cNvPicPr>
-                <a:picLocks noChangeAspect="1"/>
-              </p:cNvPicPr>
-              <p:nvPr/>
-            </p:nvPicPr>
-            <p:blipFill>
-              <a:blip r:embed="rId2"/>
-              <a:stretch>
-                <a:fillRect/>
-              </a:stretch>
-            </p:blipFill>
-            <p:spPr>
-              <a:xfrm>
-                <a:off x="1385887" y="484678"/>
-                <a:ext cx="6372225" cy="4476750"/>
-              </a:xfrm>
-              <a:prstGeom prst="rect">
-                <a:avLst/>
-              </a:prstGeom>
-            </p:spPr>
-          </p:pic>
-          <p:sp>
-            <p:nvSpPr>
-              <p:cNvPr id="5" name="Rectangle 4"/>
-              <p:cNvSpPr/>
-              <p:nvPr/>
-            </p:nvSpPr>
-            <p:spPr>
-              <a:xfrm>
-                <a:off x="1098595" y="309186"/>
-                <a:ext cx="914400" cy="914400"/>
-              </a:xfrm>
-              <a:prstGeom prst="rect">
-                <a:avLst/>
-              </a:prstGeom>
-              <a:solidFill>
-                <a:schemeClr val="bg1"/>
-              </a:solidFill>
-              <a:ln>
-                <a:noFill/>
-              </a:ln>
-              <a:effectLst/>
-            </p:spPr>
-            <p:style>
-              <a:lnRef idx="1">
-                <a:schemeClr val="accent1"/>
-              </a:lnRef>
-              <a:fillRef idx="3">
-                <a:schemeClr val="accent1"/>
-              </a:fillRef>
-              <a:effectRef idx="2">
-                <a:schemeClr val="accent1"/>
-              </a:effectRef>
-              <a:fontRef idx="minor">
-                <a:schemeClr val="lt1"/>
-              </a:fontRef>
-            </p:style>
-            <p:txBody>
-              <a:bodyPr rtlCol="0" anchor="ctr"/>
-              <a:lstStyle/>
-              <a:p>
-                <a:pPr algn="ctr"/>
-                <a:endParaRPr lang="en-US"/>
-              </a:p>
-            </p:txBody>
-          </p:sp>
-          <p:sp>
-            <p:nvSpPr>
-              <p:cNvPr id="6" name="Rectangle 5"/>
-              <p:cNvSpPr/>
-              <p:nvPr/>
-            </p:nvSpPr>
-            <p:spPr>
-              <a:xfrm>
-                <a:off x="1961464" y="309186"/>
-                <a:ext cx="914400" cy="914400"/>
-              </a:xfrm>
-              <a:prstGeom prst="rect">
-                <a:avLst/>
-              </a:prstGeom>
-              <a:solidFill>
-                <a:schemeClr val="bg1"/>
-              </a:solidFill>
-              <a:ln>
-                <a:noFill/>
-              </a:ln>
-              <a:effectLst/>
-            </p:spPr>
-            <p:style>
-              <a:lnRef idx="1">
-                <a:schemeClr val="accent1"/>
-              </a:lnRef>
-              <a:fillRef idx="3">
-                <a:schemeClr val="accent1"/>
-              </a:fillRef>
-              <a:effectRef idx="2">
-                <a:schemeClr val="accent1"/>
-              </a:effectRef>
-              <a:fontRef idx="minor">
-                <a:schemeClr val="lt1"/>
-              </a:fontRef>
-            </p:style>
-            <p:txBody>
-              <a:bodyPr rtlCol="0" anchor="ctr"/>
-              <a:lstStyle/>
-              <a:p>
-                <a:pPr algn="ctr"/>
-                <a:endParaRPr lang="en-US"/>
-              </a:p>
-            </p:txBody>
-          </p:sp>
-          <p:sp>
-            <p:nvSpPr>
-              <p:cNvPr id="7" name="Rectangle 6"/>
-              <p:cNvSpPr/>
-              <p:nvPr/>
-            </p:nvSpPr>
-            <p:spPr>
-              <a:xfrm>
-                <a:off x="2537041" y="309186"/>
-                <a:ext cx="914400" cy="914400"/>
-              </a:xfrm>
-              <a:prstGeom prst="rect">
-                <a:avLst/>
-              </a:prstGeom>
-              <a:solidFill>
-                <a:schemeClr val="bg1"/>
-              </a:solidFill>
-              <a:ln>
-                <a:noFill/>
-              </a:ln>
-              <a:effectLst/>
-            </p:spPr>
-            <p:style>
-              <a:lnRef idx="1">
-                <a:schemeClr val="accent1"/>
-              </a:lnRef>
-              <a:fillRef idx="3">
-                <a:schemeClr val="accent1"/>
-              </a:fillRef>
-              <a:effectRef idx="2">
-                <a:schemeClr val="accent1"/>
-              </a:effectRef>
-              <a:fontRef idx="minor">
-                <a:schemeClr val="lt1"/>
-              </a:fontRef>
-            </p:style>
-            <p:txBody>
-              <a:bodyPr rtlCol="0" anchor="ctr"/>
-              <a:lstStyle/>
-              <a:p>
-                <a:pPr algn="ctr"/>
-                <a:endParaRPr lang="en-US"/>
-              </a:p>
-            </p:txBody>
-          </p:sp>
-          <p:sp>
-            <p:nvSpPr>
-              <p:cNvPr id="8" name="Rectangle 7"/>
-              <p:cNvSpPr/>
-              <p:nvPr/>
-            </p:nvSpPr>
-            <p:spPr>
-              <a:xfrm>
-                <a:off x="1196140" y="1547025"/>
-                <a:ext cx="914400" cy="914400"/>
-              </a:xfrm>
-              <a:prstGeom prst="rect">
-                <a:avLst/>
-              </a:prstGeom>
-              <a:solidFill>
-                <a:schemeClr val="bg1"/>
-              </a:solidFill>
-              <a:ln>
-                <a:noFill/>
-              </a:ln>
-              <a:effectLst/>
-            </p:spPr>
-            <p:style>
-              <a:lnRef idx="1">
-                <a:schemeClr val="accent1"/>
-              </a:lnRef>
-              <a:fillRef idx="3">
-                <a:schemeClr val="accent1"/>
-              </a:fillRef>
-              <a:effectRef idx="2">
-                <a:schemeClr val="accent1"/>
-              </a:effectRef>
-              <a:fontRef idx="minor">
-                <a:schemeClr val="lt1"/>
-              </a:fontRef>
-            </p:style>
-            <p:txBody>
-              <a:bodyPr rtlCol="0" anchor="ctr"/>
-              <a:lstStyle/>
-              <a:p>
-                <a:pPr algn="ctr"/>
-                <a:endParaRPr lang="en-US"/>
-              </a:p>
-            </p:txBody>
-          </p:sp>
-          <p:sp>
-            <p:nvSpPr>
-              <p:cNvPr id="9" name="Rectangle 8"/>
-              <p:cNvSpPr/>
-              <p:nvPr/>
-            </p:nvSpPr>
-            <p:spPr>
-              <a:xfrm>
-                <a:off x="2060105" y="1613905"/>
-                <a:ext cx="914400" cy="914400"/>
-              </a:xfrm>
-              <a:prstGeom prst="rect">
-                <a:avLst/>
-              </a:prstGeom>
-              <a:solidFill>
-                <a:schemeClr val="bg1"/>
-              </a:solidFill>
-              <a:ln>
-                <a:noFill/>
-              </a:ln>
-              <a:effectLst/>
-            </p:spPr>
-            <p:style>
-              <a:lnRef idx="1">
-                <a:schemeClr val="accent1"/>
-              </a:lnRef>
-              <a:fillRef idx="3">
-                <a:schemeClr val="accent1"/>
-              </a:fillRef>
-              <a:effectRef idx="2">
-                <a:schemeClr val="accent1"/>
-              </a:effectRef>
-              <a:fontRef idx="minor">
-                <a:schemeClr val="lt1"/>
-              </a:fontRef>
-            </p:style>
-            <p:txBody>
-              <a:bodyPr rtlCol="0" anchor="ctr"/>
-              <a:lstStyle/>
-              <a:p>
-                <a:pPr algn="ctr"/>
-                <a:endParaRPr lang="en-US"/>
-              </a:p>
-            </p:txBody>
-          </p:sp>
-          <p:sp>
-            <p:nvSpPr>
-              <p:cNvPr id="10" name="Rectangle 9"/>
-              <p:cNvSpPr/>
-              <p:nvPr/>
-            </p:nvSpPr>
-            <p:spPr>
-              <a:xfrm>
-                <a:off x="1910889" y="1870464"/>
-                <a:ext cx="914400" cy="914400"/>
-              </a:xfrm>
-              <a:prstGeom prst="rect">
-                <a:avLst/>
-              </a:prstGeom>
-              <a:solidFill>
-                <a:schemeClr val="bg1"/>
-              </a:solidFill>
-              <a:ln>
-                <a:noFill/>
-              </a:ln>
-              <a:effectLst/>
-            </p:spPr>
-            <p:style>
-              <a:lnRef idx="1">
-                <a:schemeClr val="accent1"/>
-              </a:lnRef>
-              <a:fillRef idx="3">
-                <a:schemeClr val="accent1"/>
-              </a:fillRef>
-              <a:effectRef idx="2">
-                <a:schemeClr val="accent1"/>
-              </a:effectRef>
-              <a:fontRef idx="minor">
-                <a:schemeClr val="lt1"/>
-              </a:fontRef>
-            </p:style>
-            <p:txBody>
-              <a:bodyPr rtlCol="0" anchor="ctr"/>
-              <a:lstStyle/>
-              <a:p>
-                <a:pPr algn="ctr"/>
-                <a:endParaRPr lang="en-US"/>
-              </a:p>
-            </p:txBody>
-          </p:sp>
-          <p:sp>
-            <p:nvSpPr>
-              <p:cNvPr id="11" name="Rectangle 10"/>
-              <p:cNvSpPr/>
-              <p:nvPr/>
-            </p:nvSpPr>
-            <p:spPr>
-              <a:xfrm>
-                <a:off x="2810645" y="1920898"/>
-                <a:ext cx="899582" cy="842689"/>
-              </a:xfrm>
-              <a:prstGeom prst="rect">
-                <a:avLst/>
-              </a:prstGeom>
-              <a:solidFill>
-                <a:schemeClr val="bg1"/>
-              </a:solidFill>
-              <a:ln>
-                <a:noFill/>
-              </a:ln>
-              <a:effectLst/>
-            </p:spPr>
-            <p:style>
-              <a:lnRef idx="1">
-                <a:schemeClr val="accent1"/>
-              </a:lnRef>
-              <a:fillRef idx="3">
-                <a:schemeClr val="accent1"/>
-              </a:fillRef>
-              <a:effectRef idx="2">
-                <a:schemeClr val="accent1"/>
-              </a:effectRef>
-              <a:fontRef idx="minor">
-                <a:schemeClr val="lt1"/>
-              </a:fontRef>
-            </p:style>
-            <p:txBody>
-              <a:bodyPr rtlCol="0" anchor="ctr"/>
-              <a:lstStyle/>
-              <a:p>
-                <a:pPr algn="ctr"/>
-                <a:endParaRPr lang="en-US"/>
-              </a:p>
-            </p:txBody>
-          </p:sp>
-          <p:sp>
-            <p:nvSpPr>
-              <p:cNvPr id="22" name="Rectangle 21"/>
-              <p:cNvSpPr/>
-              <p:nvPr/>
-            </p:nvSpPr>
-            <p:spPr>
-              <a:xfrm>
-                <a:off x="7238415" y="4229100"/>
-                <a:ext cx="914400" cy="914400"/>
-              </a:xfrm>
-              <a:prstGeom prst="rect">
-                <a:avLst/>
-              </a:prstGeom>
-              <a:solidFill>
-                <a:schemeClr val="bg1"/>
-              </a:solidFill>
-              <a:ln>
-                <a:noFill/>
-              </a:ln>
-              <a:effectLst/>
-            </p:spPr>
-            <p:style>
-              <a:lnRef idx="1">
-                <a:schemeClr val="accent1"/>
-              </a:lnRef>
-              <a:fillRef idx="3">
-                <a:schemeClr val="accent1"/>
-              </a:fillRef>
-              <a:effectRef idx="2">
-                <a:schemeClr val="accent1"/>
-              </a:effectRef>
-              <a:fontRef idx="minor">
-                <a:schemeClr val="lt1"/>
-              </a:fontRef>
-            </p:style>
-            <p:txBody>
-              <a:bodyPr rtlCol="0" anchor="ctr"/>
-              <a:lstStyle/>
-              <a:p>
-                <a:pPr algn="ctr"/>
-                <a:endParaRPr lang="en-US"/>
-              </a:p>
-            </p:txBody>
-          </p:sp>
-        </p:grpSp>
+            <a:prstGeom prst="rect">
+              <a:avLst/>
+            </a:prstGeom>
+          </p:spPr>
+        </p:pic>
         <p:sp>
           <p:nvSpPr>
-            <p:cNvPr id="25" name="Rectangle 24"/>
+            <p:cNvPr id="5" name="Rectangle 4"/>
             <p:cNvSpPr/>
             <p:nvPr/>
           </p:nvSpPr>
           <p:spPr>
             <a:xfrm>
-              <a:off x="6593217" y="274486"/>
-              <a:ext cx="999874" cy="1404732"/>
+              <a:off x="1098595" y="309186"/>
+              <a:ext cx="914400" cy="914400"/>
+            </a:xfrm>
+            <a:prstGeom prst="rect">
+              <a:avLst/>
+            </a:prstGeom>
+            <a:solidFill>
+              <a:schemeClr val="bg1"/>
+            </a:solidFill>
+            <a:ln>
+              <a:noFill/>
+            </a:ln>
+            <a:effectLst/>
+          </p:spPr>
+          <p:style>
+            <a:lnRef idx="1">
+              <a:schemeClr val="accent1"/>
+            </a:lnRef>
+            <a:fillRef idx="3">
+              <a:schemeClr val="accent1"/>
+            </a:fillRef>
+            <a:effectRef idx="2">
+              <a:schemeClr val="accent1"/>
+            </a:effectRef>
+            <a:fontRef idx="minor">
+              <a:schemeClr val="lt1"/>
+            </a:fontRef>
+          </p:style>
+          <p:txBody>
+            <a:bodyPr rtlCol="0" anchor="ctr"/>
+            <a:lstStyle/>
+            <a:p>
+              <a:pPr algn="ctr"/>
+              <a:endParaRPr lang="en-US"/>
+            </a:p>
+          </p:txBody>
+        </p:sp>
+        <p:sp>
+          <p:nvSpPr>
+            <p:cNvPr id="6" name="Rectangle 5"/>
+            <p:cNvSpPr/>
+            <p:nvPr/>
+          </p:nvSpPr>
+          <p:spPr>
+            <a:xfrm>
+              <a:off x="1961464" y="309186"/>
+              <a:ext cx="914400" cy="914400"/>
+            </a:xfrm>
+            <a:prstGeom prst="rect">
+              <a:avLst/>
+            </a:prstGeom>
+            <a:solidFill>
+              <a:schemeClr val="bg1"/>
+            </a:solidFill>
+            <a:ln>
+              <a:noFill/>
+            </a:ln>
+            <a:effectLst/>
+          </p:spPr>
+          <p:style>
+            <a:lnRef idx="1">
+              <a:schemeClr val="accent1"/>
+            </a:lnRef>
+            <a:fillRef idx="3">
+              <a:schemeClr val="accent1"/>
+            </a:fillRef>
+            <a:effectRef idx="2">
+              <a:schemeClr val="accent1"/>
+            </a:effectRef>
+            <a:fontRef idx="minor">
+              <a:schemeClr val="lt1"/>
+            </a:fontRef>
+          </p:style>
+          <p:txBody>
+            <a:bodyPr rtlCol="0" anchor="ctr"/>
+            <a:lstStyle/>
+            <a:p>
+              <a:pPr algn="ctr"/>
+              <a:endParaRPr lang="en-US"/>
+            </a:p>
+          </p:txBody>
+        </p:sp>
+        <p:sp>
+          <p:nvSpPr>
+            <p:cNvPr id="7" name="Rectangle 6"/>
+            <p:cNvSpPr/>
+            <p:nvPr/>
+          </p:nvSpPr>
+          <p:spPr>
+            <a:xfrm>
+              <a:off x="2537041" y="309186"/>
+              <a:ext cx="914400" cy="914400"/>
+            </a:xfrm>
+            <a:prstGeom prst="rect">
+              <a:avLst/>
+            </a:prstGeom>
+            <a:solidFill>
+              <a:schemeClr val="bg1"/>
+            </a:solidFill>
+            <a:ln>
+              <a:noFill/>
+            </a:ln>
+            <a:effectLst/>
+          </p:spPr>
+          <p:style>
+            <a:lnRef idx="1">
+              <a:schemeClr val="accent1"/>
+            </a:lnRef>
+            <a:fillRef idx="3">
+              <a:schemeClr val="accent1"/>
+            </a:fillRef>
+            <a:effectRef idx="2">
+              <a:schemeClr val="accent1"/>
+            </a:effectRef>
+            <a:fontRef idx="minor">
+              <a:schemeClr val="lt1"/>
+            </a:fontRef>
+          </p:style>
+          <p:txBody>
+            <a:bodyPr rtlCol="0" anchor="ctr"/>
+            <a:lstStyle/>
+            <a:p>
+              <a:pPr algn="ctr"/>
+              <a:endParaRPr lang="en-US"/>
+            </a:p>
+          </p:txBody>
+        </p:sp>
+        <p:sp>
+          <p:nvSpPr>
+            <p:cNvPr id="8" name="Rectangle 7"/>
+            <p:cNvSpPr/>
+            <p:nvPr/>
+          </p:nvSpPr>
+          <p:spPr>
+            <a:xfrm>
+              <a:off x="1196140" y="1547025"/>
+              <a:ext cx="914400" cy="914400"/>
+            </a:xfrm>
+            <a:prstGeom prst="rect">
+              <a:avLst/>
+            </a:prstGeom>
+            <a:solidFill>
+              <a:schemeClr val="bg1"/>
+            </a:solidFill>
+            <a:ln>
+              <a:noFill/>
+            </a:ln>
+            <a:effectLst/>
+          </p:spPr>
+          <p:style>
+            <a:lnRef idx="1">
+              <a:schemeClr val="accent1"/>
+            </a:lnRef>
+            <a:fillRef idx="3">
+              <a:schemeClr val="accent1"/>
+            </a:fillRef>
+            <a:effectRef idx="2">
+              <a:schemeClr val="accent1"/>
+            </a:effectRef>
+            <a:fontRef idx="minor">
+              <a:schemeClr val="lt1"/>
+            </a:fontRef>
+          </p:style>
+          <p:txBody>
+            <a:bodyPr rtlCol="0" anchor="ctr"/>
+            <a:lstStyle/>
+            <a:p>
+              <a:pPr algn="ctr"/>
+              <a:endParaRPr lang="en-US"/>
+            </a:p>
+          </p:txBody>
+        </p:sp>
+        <p:sp>
+          <p:nvSpPr>
+            <p:cNvPr id="9" name="Rectangle 8"/>
+            <p:cNvSpPr/>
+            <p:nvPr/>
+          </p:nvSpPr>
+          <p:spPr>
+            <a:xfrm>
+              <a:off x="2060105" y="1613905"/>
+              <a:ext cx="914400" cy="914400"/>
+            </a:xfrm>
+            <a:prstGeom prst="rect">
+              <a:avLst/>
+            </a:prstGeom>
+            <a:solidFill>
+              <a:schemeClr val="bg1"/>
+            </a:solidFill>
+            <a:ln>
+              <a:noFill/>
+            </a:ln>
+            <a:effectLst/>
+          </p:spPr>
+          <p:style>
+            <a:lnRef idx="1">
+              <a:schemeClr val="accent1"/>
+            </a:lnRef>
+            <a:fillRef idx="3">
+              <a:schemeClr val="accent1"/>
+            </a:fillRef>
+            <a:effectRef idx="2">
+              <a:schemeClr val="accent1"/>
+            </a:effectRef>
+            <a:fontRef idx="minor">
+              <a:schemeClr val="lt1"/>
+            </a:fontRef>
+          </p:style>
+          <p:txBody>
+            <a:bodyPr rtlCol="0" anchor="ctr"/>
+            <a:lstStyle/>
+            <a:p>
+              <a:pPr algn="ctr"/>
+              <a:endParaRPr lang="en-US"/>
+            </a:p>
+          </p:txBody>
+        </p:sp>
+        <p:sp>
+          <p:nvSpPr>
+            <p:cNvPr id="10" name="Rectangle 9"/>
+            <p:cNvSpPr/>
+            <p:nvPr/>
+          </p:nvSpPr>
+          <p:spPr>
+            <a:xfrm>
+              <a:off x="1910889" y="1870464"/>
+              <a:ext cx="914400" cy="914400"/>
+            </a:xfrm>
+            <a:prstGeom prst="rect">
+              <a:avLst/>
+            </a:prstGeom>
+            <a:solidFill>
+              <a:schemeClr val="bg1"/>
+            </a:solidFill>
+            <a:ln>
+              <a:noFill/>
+            </a:ln>
+            <a:effectLst/>
+          </p:spPr>
+          <p:style>
+            <a:lnRef idx="1">
+              <a:schemeClr val="accent1"/>
+            </a:lnRef>
+            <a:fillRef idx="3">
+              <a:schemeClr val="accent1"/>
+            </a:fillRef>
+            <a:effectRef idx="2">
+              <a:schemeClr val="accent1"/>
+            </a:effectRef>
+            <a:fontRef idx="minor">
+              <a:schemeClr val="lt1"/>
+            </a:fontRef>
+          </p:style>
+          <p:txBody>
+            <a:bodyPr rtlCol="0" anchor="ctr"/>
+            <a:lstStyle/>
+            <a:p>
+              <a:pPr algn="ctr"/>
+              <a:endParaRPr lang="en-US"/>
+            </a:p>
+          </p:txBody>
+        </p:sp>
+        <p:sp>
+          <p:nvSpPr>
+            <p:cNvPr id="11" name="Rectangle 10"/>
+            <p:cNvSpPr/>
+            <p:nvPr/>
+          </p:nvSpPr>
+          <p:spPr>
+            <a:xfrm>
+              <a:off x="2810645" y="1920898"/>
+              <a:ext cx="899582" cy="842689"/>
+            </a:xfrm>
+            <a:prstGeom prst="rect">
+              <a:avLst/>
+            </a:prstGeom>
+            <a:solidFill>
+              <a:schemeClr val="bg1"/>
+            </a:solidFill>
+            <a:ln>
+              <a:noFill/>
+            </a:ln>
+            <a:effectLst/>
+          </p:spPr>
+          <p:style>
+            <a:lnRef idx="1">
+              <a:schemeClr val="accent1"/>
+            </a:lnRef>
+            <a:fillRef idx="3">
+              <a:schemeClr val="accent1"/>
+            </a:fillRef>
+            <a:effectRef idx="2">
+              <a:schemeClr val="accent1"/>
+            </a:effectRef>
+            <a:fontRef idx="minor">
+              <a:schemeClr val="lt1"/>
+            </a:fontRef>
+          </p:style>
+          <p:txBody>
+            <a:bodyPr rtlCol="0" anchor="ctr"/>
+            <a:lstStyle/>
+            <a:p>
+              <a:pPr algn="ctr"/>
+              <a:endParaRPr lang="en-US"/>
+            </a:p>
+          </p:txBody>
+        </p:sp>
+        <p:sp>
+          <p:nvSpPr>
+            <p:cNvPr id="22" name="Rectangle 21"/>
+            <p:cNvSpPr/>
+            <p:nvPr/>
+          </p:nvSpPr>
+          <p:spPr>
+            <a:xfrm>
+              <a:off x="7481127" y="4222519"/>
+              <a:ext cx="671686" cy="786518"/>
             </a:xfrm>
             <a:prstGeom prst="rect">
               <a:avLst/>
@@ -7703,6 +7653,51 @@
           </p:txBody>
         </p:sp>
       </p:grpSp>
+      <p:sp>
+        <p:nvSpPr>
+          <p:cNvPr id="25" name="Rectangle 24"/>
+          <p:cNvSpPr/>
+          <p:nvPr/>
+        </p:nvSpPr>
+        <p:spPr>
+          <a:xfrm>
+            <a:off x="6642031" y="672007"/>
+            <a:ext cx="905216" cy="1266301"/>
+          </a:xfrm>
+          <a:prstGeom prst="rect">
+            <a:avLst/>
+          </a:prstGeom>
+          <a:solidFill>
+            <a:schemeClr val="bg1"/>
+          </a:solidFill>
+          <a:ln>
+            <a:noFill/>
+          </a:ln>
+          <a:effectLst/>
+        </p:spPr>
+        <p:style>
+          <a:lnRef idx="1">
+            <a:schemeClr val="accent1"/>
+          </a:lnRef>
+          <a:fillRef idx="3">
+            <a:schemeClr val="accent1"/>
+          </a:fillRef>
+          <a:effectRef idx="2">
+            <a:schemeClr val="accent1"/>
+          </a:effectRef>
+          <a:fontRef idx="minor">
+            <a:schemeClr val="lt1"/>
+          </a:fontRef>
+        </p:style>
+        <p:txBody>
+          <a:bodyPr rtlCol="0" anchor="ctr"/>
+          <a:lstStyle/>
+          <a:p>
+            <a:pPr algn="ctr"/>
+            <a:endParaRPr lang="en-US"/>
+          </a:p>
+        </p:txBody>
+      </p:sp>
       <p:sp>
         <p:nvSpPr>
           <p:cNvPr id="27" name="Title 26"/>
